--- a/example/test2.pptx
+++ b/example/test2.pptx
@@ -1,11 +1,11 @@
 
 <file path=ppt/presentation.xml><?xml version="1.0" encoding="utf-8"?>
-<p:presentation xmlns:a="http://schemas.openxmlformats.org/drawingml/2006/main" xmlns:r="http://schemas.openxmlformats.org/officeDocument/2006/relationships" xmlns:p="http://schemas.openxmlformats.org/presentationml/2006/main" saveSubsetFonts="1">
+<p:presentation xmlns:a="http://schemas.openxmlformats.org/drawingml/2006/main" xmlns:r="http://schemas.openxmlformats.org/officeDocument/2006/relationships" xmlns:p="http://schemas.openxmlformats.org/presentationml/2006/main">
   <p:sldMasterIdLst>
     <p:sldMasterId id="2147483648" r:id="rId1"/>
   </p:sldMasterIdLst>
   <p:sldIdLst>
-    <p:sldId id="256" r:id="rId2"/>
+    <p:sldId id="256" r:id="rId3"/>
   </p:sldIdLst>
   <p:sldSz cx="12192000" cy="6858000"/>
   <p:notesSz cx="6858000" cy="9144000"/>
@@ -163,7 +163,7 @@
             <a:spLocks noGrp="1"/>
           </p:cNvSpPr>
           <p:nvPr>
-            <p:ph type="subTitle" idx="1"/>
+            <p:ph type="subTitle" idx="1" hasCustomPrompt="1"/>
           </p:nvPr>
         </p:nvSpPr>
         <p:spPr>
@@ -238,7 +238,6 @@
           <a:p>
             <a:fld id="{5147D6A4-5F97-472C-830D-519590186538}" type="datetimeFigureOut">
               <a:rPr lang="zh-CN" altLang="en-US" smtClean="0"/>
-              <a:t>2022/1/11</a:t>
             </a:fld>
             <a:endParaRPr lang="zh-CN" altLang="en-US"/>
           </a:p>
@@ -280,18 +279,12 @@
           <a:p>
             <a:fld id="{25349878-6EE8-4C52-82D8-A91425A500CD}" type="slidenum">
               <a:rPr lang="zh-CN" altLang="en-US" smtClean="0"/>
-              <a:t>‹#›</a:t>
             </a:fld>
             <a:endParaRPr lang="zh-CN" altLang="en-US"/>
           </a:p>
         </p:txBody>
       </p:sp>
     </p:spTree>
-    <p:extLst>
-      <p:ext uri="{BB962C8B-B14F-4D97-AF65-F5344CB8AC3E}">
-        <p14:creationId xmlns:p14="http://schemas.microsoft.com/office/powerpoint/2010/main" val="1275248869"/>
-      </p:ext>
-    </p:extLst>
   </p:cSld>
   <p:clrMapOvr>
     <a:masterClrMapping/>
@@ -346,7 +339,7 @@
             <a:spLocks noGrp="1"/>
           </p:cNvSpPr>
           <p:nvPr>
-            <p:ph type="body" orient="vert" idx="1"/>
+            <p:ph type="body" orient="vert" idx="1" hasCustomPrompt="1"/>
           </p:nvPr>
         </p:nvSpPr>
         <p:spPr/>
@@ -359,6 +352,7 @@
               <a:rPr lang="zh-CN" altLang="en-US" smtClean="0"/>
               <a:t>编辑母版文本样式</a:t>
             </a:r>
+            <a:endParaRPr lang="zh-CN" altLang="en-US" smtClean="0"/>
           </a:p>
           <a:p>
             <a:pPr lvl="1"/>
@@ -366,6 +360,7 @@
               <a:rPr lang="zh-CN" altLang="en-US" smtClean="0"/>
               <a:t>第二级</a:t>
             </a:r>
+            <a:endParaRPr lang="zh-CN" altLang="en-US" smtClean="0"/>
           </a:p>
           <a:p>
             <a:pPr lvl="2"/>
@@ -373,6 +368,7 @@
               <a:rPr lang="zh-CN" altLang="en-US" smtClean="0"/>
               <a:t>第三级</a:t>
             </a:r>
+            <a:endParaRPr lang="zh-CN" altLang="en-US" smtClean="0"/>
           </a:p>
           <a:p>
             <a:pPr lvl="3"/>
@@ -380,6 +376,7 @@
               <a:rPr lang="zh-CN" altLang="en-US" smtClean="0"/>
               <a:t>第四级</a:t>
             </a:r>
+            <a:endParaRPr lang="zh-CN" altLang="en-US" smtClean="0"/>
           </a:p>
           <a:p>
             <a:pPr lvl="4"/>
@@ -408,7 +405,6 @@
           <a:p>
             <a:fld id="{5147D6A4-5F97-472C-830D-519590186538}" type="datetimeFigureOut">
               <a:rPr lang="zh-CN" altLang="en-US" smtClean="0"/>
-              <a:t>2022/1/11</a:t>
             </a:fld>
             <a:endParaRPr lang="zh-CN" altLang="en-US"/>
           </a:p>
@@ -450,18 +446,12 @@
           <a:p>
             <a:fld id="{25349878-6EE8-4C52-82D8-A91425A500CD}" type="slidenum">
               <a:rPr lang="zh-CN" altLang="en-US" smtClean="0"/>
-              <a:t>‹#›</a:t>
             </a:fld>
             <a:endParaRPr lang="zh-CN" altLang="en-US"/>
           </a:p>
         </p:txBody>
       </p:sp>
     </p:spTree>
-    <p:extLst>
-      <p:ext uri="{BB962C8B-B14F-4D97-AF65-F5344CB8AC3E}">
-        <p14:creationId xmlns:p14="http://schemas.microsoft.com/office/powerpoint/2010/main" val="2466966450"/>
-      </p:ext>
-    </p:extLst>
   </p:cSld>
   <p:clrMapOvr>
     <a:masterClrMapping/>
@@ -521,7 +511,7 @@
             <a:spLocks noGrp="1"/>
           </p:cNvSpPr>
           <p:nvPr>
-            <p:ph type="body" orient="vert" idx="1"/>
+            <p:ph type="body" orient="vert" idx="1" hasCustomPrompt="1"/>
           </p:nvPr>
         </p:nvSpPr>
         <p:spPr>
@@ -539,6 +529,7 @@
               <a:rPr lang="zh-CN" altLang="en-US" smtClean="0"/>
               <a:t>编辑母版文本样式</a:t>
             </a:r>
+            <a:endParaRPr lang="zh-CN" altLang="en-US" smtClean="0"/>
           </a:p>
           <a:p>
             <a:pPr lvl="1"/>
@@ -546,6 +537,7 @@
               <a:rPr lang="zh-CN" altLang="en-US" smtClean="0"/>
               <a:t>第二级</a:t>
             </a:r>
+            <a:endParaRPr lang="zh-CN" altLang="en-US" smtClean="0"/>
           </a:p>
           <a:p>
             <a:pPr lvl="2"/>
@@ -553,6 +545,7 @@
               <a:rPr lang="zh-CN" altLang="en-US" smtClean="0"/>
               <a:t>第三级</a:t>
             </a:r>
+            <a:endParaRPr lang="zh-CN" altLang="en-US" smtClean="0"/>
           </a:p>
           <a:p>
             <a:pPr lvl="3"/>
@@ -560,6 +553,7 @@
               <a:rPr lang="zh-CN" altLang="en-US" smtClean="0"/>
               <a:t>第四级</a:t>
             </a:r>
+            <a:endParaRPr lang="zh-CN" altLang="en-US" smtClean="0"/>
           </a:p>
           <a:p>
             <a:pPr lvl="4"/>
@@ -588,7 +582,6 @@
           <a:p>
             <a:fld id="{5147D6A4-5F97-472C-830D-519590186538}" type="datetimeFigureOut">
               <a:rPr lang="zh-CN" altLang="en-US" smtClean="0"/>
-              <a:t>2022/1/11</a:t>
             </a:fld>
             <a:endParaRPr lang="zh-CN" altLang="en-US"/>
           </a:p>
@@ -630,18 +623,12 @@
           <a:p>
             <a:fld id="{25349878-6EE8-4C52-82D8-A91425A500CD}" type="slidenum">
               <a:rPr lang="zh-CN" altLang="en-US" smtClean="0"/>
-              <a:t>‹#›</a:t>
             </a:fld>
             <a:endParaRPr lang="zh-CN" altLang="en-US"/>
           </a:p>
         </p:txBody>
       </p:sp>
     </p:spTree>
-    <p:extLst>
-      <p:ext uri="{BB962C8B-B14F-4D97-AF65-F5344CB8AC3E}">
-        <p14:creationId xmlns:p14="http://schemas.microsoft.com/office/powerpoint/2010/main" val="2312567601"/>
-      </p:ext>
-    </p:extLst>
   </p:cSld>
   <p:clrMapOvr>
     <a:masterClrMapping/>
@@ -696,7 +683,7 @@
             <a:spLocks noGrp="1"/>
           </p:cNvSpPr>
           <p:nvPr>
-            <p:ph idx="1"/>
+            <p:ph idx="1" hasCustomPrompt="1"/>
           </p:nvPr>
         </p:nvSpPr>
         <p:spPr/>
@@ -709,6 +696,7 @@
               <a:rPr lang="zh-CN" altLang="en-US" smtClean="0"/>
               <a:t>编辑母版文本样式</a:t>
             </a:r>
+            <a:endParaRPr lang="zh-CN" altLang="en-US" smtClean="0"/>
           </a:p>
           <a:p>
             <a:pPr lvl="1"/>
@@ -716,6 +704,7 @@
               <a:rPr lang="zh-CN" altLang="en-US" smtClean="0"/>
               <a:t>第二级</a:t>
             </a:r>
+            <a:endParaRPr lang="zh-CN" altLang="en-US" smtClean="0"/>
           </a:p>
           <a:p>
             <a:pPr lvl="2"/>
@@ -723,6 +712,7 @@
               <a:rPr lang="zh-CN" altLang="en-US" smtClean="0"/>
               <a:t>第三级</a:t>
             </a:r>
+            <a:endParaRPr lang="zh-CN" altLang="en-US" smtClean="0"/>
           </a:p>
           <a:p>
             <a:pPr lvl="3"/>
@@ -730,6 +720,7 @@
               <a:rPr lang="zh-CN" altLang="en-US" smtClean="0"/>
               <a:t>第四级</a:t>
             </a:r>
+            <a:endParaRPr lang="zh-CN" altLang="en-US" smtClean="0"/>
           </a:p>
           <a:p>
             <a:pPr lvl="4"/>
@@ -758,7 +749,6 @@
           <a:p>
             <a:fld id="{5147D6A4-5F97-472C-830D-519590186538}" type="datetimeFigureOut">
               <a:rPr lang="zh-CN" altLang="en-US" smtClean="0"/>
-              <a:t>2022/1/11</a:t>
             </a:fld>
             <a:endParaRPr lang="zh-CN" altLang="en-US"/>
           </a:p>
@@ -800,18 +790,12 @@
           <a:p>
             <a:fld id="{25349878-6EE8-4C52-82D8-A91425A500CD}" type="slidenum">
               <a:rPr lang="zh-CN" altLang="en-US" smtClean="0"/>
-              <a:t>‹#›</a:t>
             </a:fld>
             <a:endParaRPr lang="zh-CN" altLang="en-US"/>
           </a:p>
         </p:txBody>
       </p:sp>
     </p:spTree>
-    <p:extLst>
-      <p:ext uri="{BB962C8B-B14F-4D97-AF65-F5344CB8AC3E}">
-        <p14:creationId xmlns:p14="http://schemas.microsoft.com/office/powerpoint/2010/main" val="2665304124"/>
-      </p:ext>
-    </p:extLst>
   </p:cSld>
   <p:clrMapOvr>
     <a:masterClrMapping/>
@@ -875,7 +859,7 @@
             <a:spLocks noGrp="1"/>
           </p:cNvSpPr>
           <p:nvPr>
-            <p:ph type="body" idx="1"/>
+            <p:ph type="body" idx="1" hasCustomPrompt="1"/>
           </p:nvPr>
         </p:nvSpPr>
         <p:spPr>
@@ -984,6 +968,7 @@
               <a:rPr lang="zh-CN" altLang="en-US" smtClean="0"/>
               <a:t>编辑母版文本样式</a:t>
             </a:r>
+            <a:endParaRPr lang="zh-CN" altLang="en-US" smtClean="0"/>
           </a:p>
         </p:txBody>
       </p:sp>
@@ -1004,7 +989,6 @@
           <a:p>
             <a:fld id="{5147D6A4-5F97-472C-830D-519590186538}" type="datetimeFigureOut">
               <a:rPr lang="zh-CN" altLang="en-US" smtClean="0"/>
-              <a:t>2022/1/11</a:t>
             </a:fld>
             <a:endParaRPr lang="zh-CN" altLang="en-US"/>
           </a:p>
@@ -1046,18 +1030,12 @@
           <a:p>
             <a:fld id="{25349878-6EE8-4C52-82D8-A91425A500CD}" type="slidenum">
               <a:rPr lang="zh-CN" altLang="en-US" smtClean="0"/>
-              <a:t>‹#›</a:t>
             </a:fld>
             <a:endParaRPr lang="zh-CN" altLang="en-US"/>
           </a:p>
         </p:txBody>
       </p:sp>
     </p:spTree>
-    <p:extLst>
-      <p:ext uri="{BB962C8B-B14F-4D97-AF65-F5344CB8AC3E}">
-        <p14:creationId xmlns:p14="http://schemas.microsoft.com/office/powerpoint/2010/main" val="890246819"/>
-      </p:ext>
-    </p:extLst>
   </p:cSld>
   <p:clrMapOvr>
     <a:masterClrMapping/>
@@ -1112,7 +1090,7 @@
             <a:spLocks noGrp="1"/>
           </p:cNvSpPr>
           <p:nvPr>
-            <p:ph sz="half" idx="1"/>
+            <p:ph sz="half" idx="1" hasCustomPrompt="1"/>
           </p:nvPr>
         </p:nvSpPr>
         <p:spPr>
@@ -1130,6 +1108,7 @@
               <a:rPr lang="zh-CN" altLang="en-US" smtClean="0"/>
               <a:t>编辑母版文本样式</a:t>
             </a:r>
+            <a:endParaRPr lang="zh-CN" altLang="en-US" smtClean="0"/>
           </a:p>
           <a:p>
             <a:pPr lvl="1"/>
@@ -1137,6 +1116,7 @@
               <a:rPr lang="zh-CN" altLang="en-US" smtClean="0"/>
               <a:t>第二级</a:t>
             </a:r>
+            <a:endParaRPr lang="zh-CN" altLang="en-US" smtClean="0"/>
           </a:p>
           <a:p>
             <a:pPr lvl="2"/>
@@ -1144,6 +1124,7 @@
               <a:rPr lang="zh-CN" altLang="en-US" smtClean="0"/>
               <a:t>第三级</a:t>
             </a:r>
+            <a:endParaRPr lang="zh-CN" altLang="en-US" smtClean="0"/>
           </a:p>
           <a:p>
             <a:pPr lvl="3"/>
@@ -1151,6 +1132,7 @@
               <a:rPr lang="zh-CN" altLang="en-US" smtClean="0"/>
               <a:t>第四级</a:t>
             </a:r>
+            <a:endParaRPr lang="zh-CN" altLang="en-US" smtClean="0"/>
           </a:p>
           <a:p>
             <a:pPr lvl="4"/>
@@ -1169,7 +1151,7 @@
             <a:spLocks noGrp="1"/>
           </p:cNvSpPr>
           <p:nvPr>
-            <p:ph sz="half" idx="2"/>
+            <p:ph sz="half" idx="2" hasCustomPrompt="1"/>
           </p:nvPr>
         </p:nvSpPr>
         <p:spPr>
@@ -1187,6 +1169,7 @@
               <a:rPr lang="zh-CN" altLang="en-US" smtClean="0"/>
               <a:t>编辑母版文本样式</a:t>
             </a:r>
+            <a:endParaRPr lang="zh-CN" altLang="en-US" smtClean="0"/>
           </a:p>
           <a:p>
             <a:pPr lvl="1"/>
@@ -1194,6 +1177,7 @@
               <a:rPr lang="zh-CN" altLang="en-US" smtClean="0"/>
               <a:t>第二级</a:t>
             </a:r>
+            <a:endParaRPr lang="zh-CN" altLang="en-US" smtClean="0"/>
           </a:p>
           <a:p>
             <a:pPr lvl="2"/>
@@ -1201,6 +1185,7 @@
               <a:rPr lang="zh-CN" altLang="en-US" smtClean="0"/>
               <a:t>第三级</a:t>
             </a:r>
+            <a:endParaRPr lang="zh-CN" altLang="en-US" smtClean="0"/>
           </a:p>
           <a:p>
             <a:pPr lvl="3"/>
@@ -1208,6 +1193,7 @@
               <a:rPr lang="zh-CN" altLang="en-US" smtClean="0"/>
               <a:t>第四级</a:t>
             </a:r>
+            <a:endParaRPr lang="zh-CN" altLang="en-US" smtClean="0"/>
           </a:p>
           <a:p>
             <a:pPr lvl="4"/>
@@ -1236,7 +1222,6 @@
           <a:p>
             <a:fld id="{5147D6A4-5F97-472C-830D-519590186538}" type="datetimeFigureOut">
               <a:rPr lang="zh-CN" altLang="en-US" smtClean="0"/>
-              <a:t>2022/1/11</a:t>
             </a:fld>
             <a:endParaRPr lang="zh-CN" altLang="en-US"/>
           </a:p>
@@ -1278,18 +1263,12 @@
           <a:p>
             <a:fld id="{25349878-6EE8-4C52-82D8-A91425A500CD}" type="slidenum">
               <a:rPr lang="zh-CN" altLang="en-US" smtClean="0"/>
-              <a:t>‹#›</a:t>
             </a:fld>
             <a:endParaRPr lang="zh-CN" altLang="en-US"/>
           </a:p>
         </p:txBody>
       </p:sp>
     </p:spTree>
-    <p:extLst>
-      <p:ext uri="{BB962C8B-B14F-4D97-AF65-F5344CB8AC3E}">
-        <p14:creationId xmlns:p14="http://schemas.microsoft.com/office/powerpoint/2010/main" val="65846453"/>
-      </p:ext>
-    </p:extLst>
   </p:cSld>
   <p:clrMapOvr>
     <a:masterClrMapping/>
@@ -1349,7 +1328,7 @@
             <a:spLocks noGrp="1"/>
           </p:cNvSpPr>
           <p:nvPr>
-            <p:ph type="body" idx="1"/>
+            <p:ph type="body" idx="1" hasCustomPrompt="1"/>
           </p:nvPr>
         </p:nvSpPr>
         <p:spPr>
@@ -1404,6 +1383,7 @@
               <a:rPr lang="zh-CN" altLang="en-US" smtClean="0"/>
               <a:t>编辑母版文本样式</a:t>
             </a:r>
+            <a:endParaRPr lang="zh-CN" altLang="en-US" smtClean="0"/>
           </a:p>
         </p:txBody>
       </p:sp>
@@ -1414,7 +1394,7 @@
             <a:spLocks noGrp="1"/>
           </p:cNvSpPr>
           <p:nvPr>
-            <p:ph sz="half" idx="2"/>
+            <p:ph sz="half" idx="2" hasCustomPrompt="1"/>
           </p:nvPr>
         </p:nvSpPr>
         <p:spPr>
@@ -1432,6 +1412,7 @@
               <a:rPr lang="zh-CN" altLang="en-US" smtClean="0"/>
               <a:t>编辑母版文本样式</a:t>
             </a:r>
+            <a:endParaRPr lang="zh-CN" altLang="en-US" smtClean="0"/>
           </a:p>
           <a:p>
             <a:pPr lvl="1"/>
@@ -1439,6 +1420,7 @@
               <a:rPr lang="zh-CN" altLang="en-US" smtClean="0"/>
               <a:t>第二级</a:t>
             </a:r>
+            <a:endParaRPr lang="zh-CN" altLang="en-US" smtClean="0"/>
           </a:p>
           <a:p>
             <a:pPr lvl="2"/>
@@ -1446,6 +1428,7 @@
               <a:rPr lang="zh-CN" altLang="en-US" smtClean="0"/>
               <a:t>第三级</a:t>
             </a:r>
+            <a:endParaRPr lang="zh-CN" altLang="en-US" smtClean="0"/>
           </a:p>
           <a:p>
             <a:pPr lvl="3"/>
@@ -1453,6 +1436,7 @@
               <a:rPr lang="zh-CN" altLang="en-US" smtClean="0"/>
               <a:t>第四级</a:t>
             </a:r>
+            <a:endParaRPr lang="zh-CN" altLang="en-US" smtClean="0"/>
           </a:p>
           <a:p>
             <a:pPr lvl="4"/>
@@ -1471,7 +1455,7 @@
             <a:spLocks noGrp="1"/>
           </p:cNvSpPr>
           <p:nvPr>
-            <p:ph type="body" sz="quarter" idx="3"/>
+            <p:ph type="body" sz="quarter" idx="3" hasCustomPrompt="1"/>
           </p:nvPr>
         </p:nvSpPr>
         <p:spPr>
@@ -1526,6 +1510,7 @@
               <a:rPr lang="zh-CN" altLang="en-US" smtClean="0"/>
               <a:t>编辑母版文本样式</a:t>
             </a:r>
+            <a:endParaRPr lang="zh-CN" altLang="en-US" smtClean="0"/>
           </a:p>
         </p:txBody>
       </p:sp>
@@ -1536,7 +1521,7 @@
             <a:spLocks noGrp="1"/>
           </p:cNvSpPr>
           <p:nvPr>
-            <p:ph sz="quarter" idx="4"/>
+            <p:ph sz="quarter" idx="4" hasCustomPrompt="1"/>
           </p:nvPr>
         </p:nvSpPr>
         <p:spPr>
@@ -1554,6 +1539,7 @@
               <a:rPr lang="zh-CN" altLang="en-US" smtClean="0"/>
               <a:t>编辑母版文本样式</a:t>
             </a:r>
+            <a:endParaRPr lang="zh-CN" altLang="en-US" smtClean="0"/>
           </a:p>
           <a:p>
             <a:pPr lvl="1"/>
@@ -1561,6 +1547,7 @@
               <a:rPr lang="zh-CN" altLang="en-US" smtClean="0"/>
               <a:t>第二级</a:t>
             </a:r>
+            <a:endParaRPr lang="zh-CN" altLang="en-US" smtClean="0"/>
           </a:p>
           <a:p>
             <a:pPr lvl="2"/>
@@ -1568,6 +1555,7 @@
               <a:rPr lang="zh-CN" altLang="en-US" smtClean="0"/>
               <a:t>第三级</a:t>
             </a:r>
+            <a:endParaRPr lang="zh-CN" altLang="en-US" smtClean="0"/>
           </a:p>
           <a:p>
             <a:pPr lvl="3"/>
@@ -1575,6 +1563,7 @@
               <a:rPr lang="zh-CN" altLang="en-US" smtClean="0"/>
               <a:t>第四级</a:t>
             </a:r>
+            <a:endParaRPr lang="zh-CN" altLang="en-US" smtClean="0"/>
           </a:p>
           <a:p>
             <a:pPr lvl="4"/>
@@ -1603,7 +1592,6 @@
           <a:p>
             <a:fld id="{5147D6A4-5F97-472C-830D-519590186538}" type="datetimeFigureOut">
               <a:rPr lang="zh-CN" altLang="en-US" smtClean="0"/>
-              <a:t>2022/1/11</a:t>
             </a:fld>
             <a:endParaRPr lang="zh-CN" altLang="en-US"/>
           </a:p>
@@ -1645,18 +1633,12 @@
           <a:p>
             <a:fld id="{25349878-6EE8-4C52-82D8-A91425A500CD}" type="slidenum">
               <a:rPr lang="zh-CN" altLang="en-US" smtClean="0"/>
-              <a:t>‹#›</a:t>
             </a:fld>
             <a:endParaRPr lang="zh-CN" altLang="en-US"/>
           </a:p>
         </p:txBody>
       </p:sp>
     </p:spTree>
-    <p:extLst>
-      <p:ext uri="{BB962C8B-B14F-4D97-AF65-F5344CB8AC3E}">
-        <p14:creationId xmlns:p14="http://schemas.microsoft.com/office/powerpoint/2010/main" val="222330947"/>
-      </p:ext>
-    </p:extLst>
   </p:cSld>
   <p:clrMapOvr>
     <a:masterClrMapping/>
@@ -1721,7 +1703,6 @@
           <a:p>
             <a:fld id="{5147D6A4-5F97-472C-830D-519590186538}" type="datetimeFigureOut">
               <a:rPr lang="zh-CN" altLang="en-US" smtClean="0"/>
-              <a:t>2022/1/11</a:t>
             </a:fld>
             <a:endParaRPr lang="zh-CN" altLang="en-US"/>
           </a:p>
@@ -1763,18 +1744,12 @@
           <a:p>
             <a:fld id="{25349878-6EE8-4C52-82D8-A91425A500CD}" type="slidenum">
               <a:rPr lang="zh-CN" altLang="en-US" smtClean="0"/>
-              <a:t>‹#›</a:t>
             </a:fld>
             <a:endParaRPr lang="zh-CN" altLang="en-US"/>
           </a:p>
         </p:txBody>
       </p:sp>
     </p:spTree>
-    <p:extLst>
-      <p:ext uri="{BB962C8B-B14F-4D97-AF65-F5344CB8AC3E}">
-        <p14:creationId xmlns:p14="http://schemas.microsoft.com/office/powerpoint/2010/main" val="1048255486"/>
-      </p:ext>
-    </p:extLst>
   </p:cSld>
   <p:clrMapOvr>
     <a:masterClrMapping/>
@@ -1816,7 +1791,6 @@
           <a:p>
             <a:fld id="{5147D6A4-5F97-472C-830D-519590186538}" type="datetimeFigureOut">
               <a:rPr lang="zh-CN" altLang="en-US" smtClean="0"/>
-              <a:t>2022/1/11</a:t>
             </a:fld>
             <a:endParaRPr lang="zh-CN" altLang="en-US"/>
           </a:p>
@@ -1858,18 +1832,12 @@
           <a:p>
             <a:fld id="{25349878-6EE8-4C52-82D8-A91425A500CD}" type="slidenum">
               <a:rPr lang="zh-CN" altLang="en-US" smtClean="0"/>
-              <a:t>‹#›</a:t>
             </a:fld>
             <a:endParaRPr lang="zh-CN" altLang="en-US"/>
           </a:p>
         </p:txBody>
       </p:sp>
     </p:spTree>
-    <p:extLst>
-      <p:ext uri="{BB962C8B-B14F-4D97-AF65-F5344CB8AC3E}">
-        <p14:creationId xmlns:p14="http://schemas.microsoft.com/office/powerpoint/2010/main" val="3874739496"/>
-      </p:ext>
-    </p:extLst>
   </p:cSld>
   <p:clrMapOvr>
     <a:masterClrMapping/>
@@ -1933,7 +1901,7 @@
             <a:spLocks noGrp="1"/>
           </p:cNvSpPr>
           <p:nvPr>
-            <p:ph idx="1"/>
+            <p:ph idx="1" hasCustomPrompt="1"/>
           </p:nvPr>
         </p:nvSpPr>
         <p:spPr>
@@ -1979,6 +1947,7 @@
               <a:rPr lang="zh-CN" altLang="en-US" smtClean="0"/>
               <a:t>编辑母版文本样式</a:t>
             </a:r>
+            <a:endParaRPr lang="zh-CN" altLang="en-US" smtClean="0"/>
           </a:p>
           <a:p>
             <a:pPr lvl="1"/>
@@ -1986,6 +1955,7 @@
               <a:rPr lang="zh-CN" altLang="en-US" smtClean="0"/>
               <a:t>第二级</a:t>
             </a:r>
+            <a:endParaRPr lang="zh-CN" altLang="en-US" smtClean="0"/>
           </a:p>
           <a:p>
             <a:pPr lvl="2"/>
@@ -1993,6 +1963,7 @@
               <a:rPr lang="zh-CN" altLang="en-US" smtClean="0"/>
               <a:t>第三级</a:t>
             </a:r>
+            <a:endParaRPr lang="zh-CN" altLang="en-US" smtClean="0"/>
           </a:p>
           <a:p>
             <a:pPr lvl="3"/>
@@ -2000,6 +1971,7 @@
               <a:rPr lang="zh-CN" altLang="en-US" smtClean="0"/>
               <a:t>第四级</a:t>
             </a:r>
+            <a:endParaRPr lang="zh-CN" altLang="en-US" smtClean="0"/>
           </a:p>
           <a:p>
             <a:pPr lvl="4"/>
@@ -2018,7 +1990,7 @@
             <a:spLocks noGrp="1"/>
           </p:cNvSpPr>
           <p:nvPr>
-            <p:ph type="body" sz="half" idx="2"/>
+            <p:ph type="body" sz="half" idx="2" hasCustomPrompt="1"/>
           </p:nvPr>
         </p:nvSpPr>
         <p:spPr>
@@ -2073,6 +2045,7 @@
               <a:rPr lang="zh-CN" altLang="en-US" smtClean="0"/>
               <a:t>编辑母版文本样式</a:t>
             </a:r>
+            <a:endParaRPr lang="zh-CN" altLang="en-US" smtClean="0"/>
           </a:p>
         </p:txBody>
       </p:sp>
@@ -2093,7 +2066,6 @@
           <a:p>
             <a:fld id="{5147D6A4-5F97-472C-830D-519590186538}" type="datetimeFigureOut">
               <a:rPr lang="zh-CN" altLang="en-US" smtClean="0"/>
-              <a:t>2022/1/11</a:t>
             </a:fld>
             <a:endParaRPr lang="zh-CN" altLang="en-US"/>
           </a:p>
@@ -2135,18 +2107,12 @@
           <a:p>
             <a:fld id="{25349878-6EE8-4C52-82D8-A91425A500CD}" type="slidenum">
               <a:rPr lang="zh-CN" altLang="en-US" smtClean="0"/>
-              <a:t>‹#›</a:t>
             </a:fld>
             <a:endParaRPr lang="zh-CN" altLang="en-US"/>
           </a:p>
         </p:txBody>
       </p:sp>
     </p:spTree>
-    <p:extLst>
-      <p:ext uri="{BB962C8B-B14F-4D97-AF65-F5344CB8AC3E}">
-        <p14:creationId xmlns:p14="http://schemas.microsoft.com/office/powerpoint/2010/main" val="1566278448"/>
-      </p:ext>
-    </p:extLst>
   </p:cSld>
   <p:clrMapOvr>
     <a:masterClrMapping/>
@@ -2271,7 +2237,7 @@
             <a:spLocks noGrp="1"/>
           </p:cNvSpPr>
           <p:nvPr>
-            <p:ph type="body" sz="half" idx="2"/>
+            <p:ph type="body" sz="half" idx="2" hasCustomPrompt="1"/>
           </p:nvPr>
         </p:nvSpPr>
         <p:spPr>
@@ -2326,6 +2292,7 @@
               <a:rPr lang="zh-CN" altLang="en-US" smtClean="0"/>
               <a:t>编辑母版文本样式</a:t>
             </a:r>
+            <a:endParaRPr lang="zh-CN" altLang="en-US" smtClean="0"/>
           </a:p>
         </p:txBody>
       </p:sp>
@@ -2346,7 +2313,6 @@
           <a:p>
             <a:fld id="{5147D6A4-5F97-472C-830D-519590186538}" type="datetimeFigureOut">
               <a:rPr lang="zh-CN" altLang="en-US" smtClean="0"/>
-              <a:t>2022/1/11</a:t>
             </a:fld>
             <a:endParaRPr lang="zh-CN" altLang="en-US"/>
           </a:p>
@@ -2388,18 +2354,12 @@
           <a:p>
             <a:fld id="{25349878-6EE8-4C52-82D8-A91425A500CD}" type="slidenum">
               <a:rPr lang="zh-CN" altLang="en-US" smtClean="0"/>
-              <a:t>‹#›</a:t>
             </a:fld>
             <a:endParaRPr lang="zh-CN" altLang="en-US"/>
           </a:p>
         </p:txBody>
       </p:sp>
     </p:spTree>
-    <p:extLst>
-      <p:ext uri="{BB962C8B-B14F-4D97-AF65-F5344CB8AC3E}">
-        <p14:creationId xmlns:p14="http://schemas.microsoft.com/office/powerpoint/2010/main" val="3455529782"/>
-      </p:ext>
-    </p:extLst>
   </p:cSld>
   <p:clrMapOvr>
     <a:masterClrMapping/>
@@ -2492,6 +2452,7 @@
               <a:rPr lang="zh-CN" altLang="en-US" smtClean="0"/>
               <a:t>编辑母版文本样式</a:t>
             </a:r>
+            <a:endParaRPr lang="zh-CN" altLang="en-US" smtClean="0"/>
           </a:p>
           <a:p>
             <a:pPr lvl="1"/>
@@ -2499,6 +2460,7 @@
               <a:rPr lang="zh-CN" altLang="en-US" smtClean="0"/>
               <a:t>第二级</a:t>
             </a:r>
+            <a:endParaRPr lang="zh-CN" altLang="en-US" smtClean="0"/>
           </a:p>
           <a:p>
             <a:pPr lvl="2"/>
@@ -2506,6 +2468,7 @@
               <a:rPr lang="zh-CN" altLang="en-US" smtClean="0"/>
               <a:t>第三级</a:t>
             </a:r>
+            <a:endParaRPr lang="zh-CN" altLang="en-US" smtClean="0"/>
           </a:p>
           <a:p>
             <a:pPr lvl="3"/>
@@ -2513,6 +2476,7 @@
               <a:rPr lang="zh-CN" altLang="en-US" smtClean="0"/>
               <a:t>第四级</a:t>
             </a:r>
+            <a:endParaRPr lang="zh-CN" altLang="en-US" smtClean="0"/>
           </a:p>
           <a:p>
             <a:pPr lvl="4"/>
@@ -2559,7 +2523,6 @@
           <a:p>
             <a:fld id="{5147D6A4-5F97-472C-830D-519590186538}" type="datetimeFigureOut">
               <a:rPr lang="zh-CN" altLang="en-US" smtClean="0"/>
-              <a:t>2022/1/11</a:t>
             </a:fld>
             <a:endParaRPr lang="zh-CN" altLang="en-US"/>
           </a:p>
@@ -2637,18 +2600,12 @@
           <a:p>
             <a:fld id="{25349878-6EE8-4C52-82D8-A91425A500CD}" type="slidenum">
               <a:rPr lang="zh-CN" altLang="en-US" smtClean="0"/>
-              <a:t>‹#›</a:t>
             </a:fld>
             <a:endParaRPr lang="zh-CN" altLang="en-US"/>
           </a:p>
         </p:txBody>
       </p:sp>
     </p:spTree>
-    <p:extLst>
-      <p:ext uri="{BB962C8B-B14F-4D97-AF65-F5344CB8AC3E}">
-        <p14:creationId xmlns:p14="http://schemas.microsoft.com/office/powerpoint/2010/main" val="3050166379"/>
-      </p:ext>
-    </p:extLst>
   </p:cSld>
   <p:clrMap bg1="lt1" tx1="dk1" bg2="lt2" tx2="dk2" accent1="accent1" accent2="accent2" accent3="accent3" accent4="accent4" accent5="accent5" accent6="accent6" hlink="hlink" folHlink="folHlink"/>
   <p:sldLayoutIdLst>
@@ -2692,7 +2649,7 @@
         <a:spcBef>
           <a:spcPts val="1000"/>
         </a:spcBef>
-        <a:buFont typeface="Arial" panose="020B0604020202020204" pitchFamily="34" charset="0"/>
+        <a:buFont typeface="Arial" panose="020B0604020202090204" pitchFamily="34" charset="0"/>
         <a:buChar char="•"/>
         <a:defRPr sz="2800" kern="1200">
           <a:solidFill>
@@ -2710,7 +2667,7 @@
         <a:spcBef>
           <a:spcPts val="500"/>
         </a:spcBef>
-        <a:buFont typeface="Arial" panose="020B0604020202020204" pitchFamily="34" charset="0"/>
+        <a:buFont typeface="Arial" panose="020B0604020202090204" pitchFamily="34" charset="0"/>
         <a:buChar char="•"/>
         <a:defRPr sz="2400" kern="1200">
           <a:solidFill>
@@ -2728,7 +2685,7 @@
         <a:spcBef>
           <a:spcPts val="500"/>
         </a:spcBef>
-        <a:buFont typeface="Arial" panose="020B0604020202020204" pitchFamily="34" charset="0"/>
+        <a:buFont typeface="Arial" panose="020B0604020202090204" pitchFamily="34" charset="0"/>
         <a:buChar char="•"/>
         <a:defRPr sz="2000" kern="1200">
           <a:solidFill>
@@ -2746,7 +2703,7 @@
         <a:spcBef>
           <a:spcPts val="500"/>
         </a:spcBef>
-        <a:buFont typeface="Arial" panose="020B0604020202020204" pitchFamily="34" charset="0"/>
+        <a:buFont typeface="Arial" panose="020B0604020202090204" pitchFamily="34" charset="0"/>
         <a:buChar char="•"/>
         <a:defRPr sz="1800" kern="1200">
           <a:solidFill>
@@ -2764,7 +2721,7 @@
         <a:spcBef>
           <a:spcPts val="500"/>
         </a:spcBef>
-        <a:buFont typeface="Arial" panose="020B0604020202020204" pitchFamily="34" charset="0"/>
+        <a:buFont typeface="Arial" panose="020B0604020202090204" pitchFamily="34" charset="0"/>
         <a:buChar char="•"/>
         <a:defRPr sz="1800" kern="1200">
           <a:solidFill>
@@ -2782,7 +2739,7 @@
         <a:spcBef>
           <a:spcPts val="500"/>
         </a:spcBef>
-        <a:buFont typeface="Arial" panose="020B0604020202020204" pitchFamily="34" charset="0"/>
+        <a:buFont typeface="Arial" panose="020B0604020202090204" pitchFamily="34" charset="0"/>
         <a:buChar char="•"/>
         <a:defRPr sz="1800" kern="1200">
           <a:solidFill>
@@ -2800,7 +2757,7 @@
         <a:spcBef>
           <a:spcPts val="500"/>
         </a:spcBef>
-        <a:buFont typeface="Arial" panose="020B0604020202020204" pitchFamily="34" charset="0"/>
+        <a:buFont typeface="Arial" panose="020B0604020202090204" pitchFamily="34" charset="0"/>
         <a:buChar char="•"/>
         <a:defRPr sz="1800" kern="1200">
           <a:solidFill>
@@ -2818,7 +2775,7 @@
         <a:spcBef>
           <a:spcPts val="500"/>
         </a:spcBef>
-        <a:buFont typeface="Arial" panose="020B0604020202020204" pitchFamily="34" charset="0"/>
+        <a:buFont typeface="Arial" panose="020B0604020202090204" pitchFamily="34" charset="0"/>
         <a:buChar char="•"/>
         <a:defRPr sz="1800" kern="1200">
           <a:solidFill>
@@ -2836,7 +2793,7 @@
         <a:spcBef>
           <a:spcPts val="500"/>
         </a:spcBef>
-        <a:buFont typeface="Arial" panose="020B0604020202020204" pitchFamily="34" charset="0"/>
+        <a:buFont typeface="Arial" panose="020B0604020202090204" pitchFamily="34" charset="0"/>
         <a:buChar char="•"/>
         <a:defRPr sz="1800" kern="1200">
           <a:solidFill>
@@ -2971,11 +2928,9 @@
             <a:graphicFrameLocks noGrp="1"/>
           </p:cNvGraphicFramePr>
           <p:nvPr>
-            <p:extLst>
-              <p:ext uri="{D42A27DB-BD31-4B8C-83A1-F6EECF244321}">
-                <p14:modId xmlns:p14="http://schemas.microsoft.com/office/powerpoint/2010/main" val="2112051267"/>
-              </p:ext>
-            </p:extLst>
+            <p:custDataLst>
+              <p:tags r:id="rId1"/>
+            </p:custDataLst>
           </p:nvPr>
         </p:nvGraphicFramePr>
         <p:xfrm>
@@ -2989,55 +2944,13 @@
                 <a:tableStyleId>{5C22544A-7EE6-4342-B048-85BDC9FD1C3A}</a:tableStyleId>
               </a:tblPr>
               <a:tblGrid>
-                <a:gridCol w="1161143">
-                  <a:extLst>
-                    <a:ext uri="{9D8B030D-6E8A-4147-A177-3AD203B41FA5}">
-                      <a16:colId xmlns:a16="http://schemas.microsoft.com/office/drawing/2014/main" val="2646305968"/>
-                    </a:ext>
-                  </a:extLst>
-                </a:gridCol>
-                <a:gridCol w="1161143">
-                  <a:extLst>
-                    <a:ext uri="{9D8B030D-6E8A-4147-A177-3AD203B41FA5}">
-                      <a16:colId xmlns:a16="http://schemas.microsoft.com/office/drawing/2014/main" val="204660621"/>
-                    </a:ext>
-                  </a:extLst>
-                </a:gridCol>
-                <a:gridCol w="1161143">
-                  <a:extLst>
-                    <a:ext uri="{9D8B030D-6E8A-4147-A177-3AD203B41FA5}">
-                      <a16:colId xmlns:a16="http://schemas.microsoft.com/office/drawing/2014/main" val="1672688799"/>
-                    </a:ext>
-                  </a:extLst>
-                </a:gridCol>
-                <a:gridCol w="1161143">
-                  <a:extLst>
-                    <a:ext uri="{9D8B030D-6E8A-4147-A177-3AD203B41FA5}">
-                      <a16:colId xmlns:a16="http://schemas.microsoft.com/office/drawing/2014/main" val="3810433132"/>
-                    </a:ext>
-                  </a:extLst>
-                </a:gridCol>
-                <a:gridCol w="1161143">
-                  <a:extLst>
-                    <a:ext uri="{9D8B030D-6E8A-4147-A177-3AD203B41FA5}">
-                      <a16:colId xmlns:a16="http://schemas.microsoft.com/office/drawing/2014/main" val="3078782248"/>
-                    </a:ext>
-                  </a:extLst>
-                </a:gridCol>
-                <a:gridCol w="1161143">
-                  <a:extLst>
-                    <a:ext uri="{9D8B030D-6E8A-4147-A177-3AD203B41FA5}">
-                      <a16:colId xmlns:a16="http://schemas.microsoft.com/office/drawing/2014/main" val="1152267200"/>
-                    </a:ext>
-                  </a:extLst>
-                </a:gridCol>
-                <a:gridCol w="1161143">
-                  <a:extLst>
-                    <a:ext uri="{9D8B030D-6E8A-4147-A177-3AD203B41FA5}">
-                      <a16:colId xmlns:a16="http://schemas.microsoft.com/office/drawing/2014/main" val="2543208524"/>
-                    </a:ext>
-                  </a:extLst>
-                </a:gridCol>
+                <a:gridCol w="1161143"/>
+                <a:gridCol w="1161143"/>
+                <a:gridCol w="1161143"/>
+                <a:gridCol w="1161143"/>
+                <a:gridCol w="1161143"/>
+                <a:gridCol w="1161143"/>
+                <a:gridCol w="1161143"/>
               </a:tblGrid>
               <a:tr h="390677">
                 <a:tc>
@@ -3046,6 +2959,123 @@
                     <a:lstStyle/>
                     <a:p>
                       <a:endParaRPr lang="zh-CN" altLang="en-US" dirty="0"/>
+                    </a:p>
+                  </a:txBody>
+                  <a:tcPr>
+                    <a:lnL w="12700" cap="flat" cmpd="sng" algn="ctr">
+                      <a:solidFill>
+                        <a:schemeClr val="tx1"/>
+                      </a:solidFill>
+                      <a:prstDash val="solid"/>
+                      <a:round/>
+                      <a:headEnd type="none" w="med" len="med"/>
+                      <a:tailEnd type="none" w="med" len="med"/>
+                    </a:lnL>
+                    <a:lnR w="12700" cap="flat" cmpd="sng" algn="ctr">
+                      <a:solidFill>
+                        <a:schemeClr val="tx1"/>
+                      </a:solidFill>
+                      <a:prstDash val="solid"/>
+                      <a:round/>
+                      <a:headEnd type="none" w="med" len="med"/>
+                      <a:tailEnd type="none" w="med" len="med"/>
+                    </a:lnR>
+                    <a:lnT w="12700" cap="flat" cmpd="sng" algn="ctr">
+                      <a:solidFill>
+                        <a:schemeClr val="tx1"/>
+                      </a:solidFill>
+                      <a:prstDash val="solid"/>
+                      <a:round/>
+                      <a:headEnd type="none" w="med" len="med"/>
+                      <a:tailEnd type="none" w="med" len="med"/>
+                    </a:lnT>
+                    <a:lnB w="12700" cap="flat" cmpd="sng" algn="ctr">
+                      <a:solidFill>
+                        <a:schemeClr val="tx1"/>
+                      </a:solidFill>
+                      <a:prstDash val="solid"/>
+                      <a:round/>
+                      <a:headEnd type="none" w="med" len="med"/>
+                      <a:tailEnd type="none" w="med" len="med"/>
+                    </a:lnB>
+                    <a:lnTlToBr w="12700" cmpd="sng">
+                      <a:noFill/>
+                      <a:prstDash val="solid"/>
+                    </a:lnTlToBr>
+                    <a:lnBlToTr w="12700" cmpd="sng">
+                      <a:noFill/>
+                      <a:prstDash val="solid"/>
+                    </a:lnBlToTr>
+                  </a:tcPr>
+                </a:tc>
+                <a:tc>
+                  <a:txBody>
+                    <a:bodyPr/>
+                    <a:lstStyle/>
+                    <a:p>
+                      <a:r>
+                        <a:rPr lang="en-US" altLang="zh-CN"/>
+                        <a:t>xxxxdsdfsdfsdssfsdf</a:t>
+                      </a:r>
+                      <a:endParaRPr lang="en-US" altLang="zh-CN"/>
+                    </a:p>
+                  </a:txBody>
+                  <a:tcPr>
+                    <a:lnL w="12700" cap="flat" cmpd="sng" algn="ctr">
+                      <a:solidFill>
+                        <a:schemeClr val="tx1"/>
+                      </a:solidFill>
+                      <a:prstDash val="solid"/>
+                      <a:round/>
+                      <a:headEnd type="none" w="med" len="med"/>
+                      <a:tailEnd type="none" w="med" len="med"/>
+                    </a:lnL>
+                    <a:lnR w="12700" cap="flat" cmpd="sng" algn="ctr">
+                      <a:solidFill>
+                        <a:schemeClr val="tx1"/>
+                      </a:solidFill>
+                      <a:prstDash val="solid"/>
+                      <a:round/>
+                      <a:headEnd type="none" w="med" len="med"/>
+                      <a:tailEnd type="none" w="med" len="med"/>
+                    </a:lnR>
+                    <a:lnT w="12700" cap="flat" cmpd="sng" algn="ctr">
+                      <a:solidFill>
+                        <a:schemeClr val="tx1"/>
+                      </a:solidFill>
+                      <a:prstDash val="solid"/>
+                      <a:round/>
+                      <a:headEnd type="none" w="med" len="med"/>
+                      <a:tailEnd type="none" w="med" len="med"/>
+                    </a:lnT>
+                    <a:lnB w="12700" cap="flat" cmpd="sng" algn="ctr">
+                      <a:solidFill>
+                        <a:schemeClr val="tx1"/>
+                      </a:solidFill>
+                      <a:prstDash val="solid"/>
+                      <a:round/>
+                      <a:headEnd type="none" w="med" len="med"/>
+                      <a:tailEnd type="none" w="med" len="med"/>
+                    </a:lnB>
+                    <a:lnTlToBr w="12700" cmpd="sng">
+                      <a:noFill/>
+                      <a:prstDash val="solid"/>
+                    </a:lnTlToBr>
+                    <a:lnBlToTr w="12700" cmpd="sng">
+                      <a:noFill/>
+                      <a:prstDash val="solid"/>
+                    </a:lnBlToTr>
+                    <a:solidFill>
+                      <a:schemeClr val="tx2"/>
+                    </a:solidFill>
+                  </a:tcPr>
+                </a:tc>
+                <a:tc>
+                  <a:txBody>
+                    <a:bodyPr/>
+                    <a:lstStyle/>
+                    <a:p>
+                      <a:endParaRPr lang="zh-CN" altLang="en-US"/>
                     </a:p>
                   </a:txBody>
                   <a:tcPr>
@@ -3315,6 +3345,8 @@
                     </a:lnBlToTr>
                   </a:tcPr>
                 </a:tc>
+              </a:tr>
+              <a:tr h="370840">
                 <a:tc>
                   <a:txBody>
                     <a:bodyPr/>
@@ -3425,13 +3457,6 @@
                     </a:lnBlToTr>
                   </a:tcPr>
                 </a:tc>
-                <a:extLst>
-                  <a:ext uri="{0D108BD9-81ED-4DB2-BD59-A6C34878D82A}">
-                    <a16:rowId xmlns:a16="http://schemas.microsoft.com/office/drawing/2014/main" val="3330495280"/>
-                  </a:ext>
-                </a:extLst>
-              </a:tr>
-              <a:tr h="370840">
                 <a:tc>
                   <a:txBody>
                     <a:bodyPr/>
@@ -3707,6 +3732,8 @@
                     </a:lnBlToTr>
                   </a:tcPr>
                 </a:tc>
+              </a:tr>
+              <a:tr h="370840">
                 <a:tc>
                   <a:txBody>
                     <a:bodyPr/>
@@ -3817,13 +3844,6 @@
                     </a:lnBlToTr>
                   </a:tcPr>
                 </a:tc>
-                <a:extLst>
-                  <a:ext uri="{0D108BD9-81ED-4DB2-BD59-A6C34878D82A}">
-                    <a16:rowId xmlns:a16="http://schemas.microsoft.com/office/drawing/2014/main" val="3190124887"/>
-                  </a:ext>
-                </a:extLst>
-              </a:tr>
-              <a:tr h="370840">
                 <a:tc>
                   <a:txBody>
                     <a:bodyPr/>
@@ -4099,6 +4119,8 @@
                     </a:lnBlToTr>
                   </a:tcPr>
                 </a:tc>
+              </a:tr>
+              <a:tr h="370840">
                 <a:tc>
                   <a:txBody>
                     <a:bodyPr/>
@@ -4209,13 +4231,6 @@
                     </a:lnBlToTr>
                   </a:tcPr>
                 </a:tc>
-                <a:extLst>
-                  <a:ext uri="{0D108BD9-81ED-4DB2-BD59-A6C34878D82A}">
-                    <a16:rowId xmlns:a16="http://schemas.microsoft.com/office/drawing/2014/main" val="3829062480"/>
-                  </a:ext>
-                </a:extLst>
-              </a:tr>
-              <a:tr h="370840">
                 <a:tc>
                   <a:txBody>
                     <a:bodyPr/>
@@ -4491,6 +4506,8 @@
                     </a:lnBlToTr>
                   </a:tcPr>
                 </a:tc>
+              </a:tr>
+              <a:tr h="370840">
                 <a:tc>
                   <a:txBody>
                     <a:bodyPr/>
@@ -4601,13 +4618,6 @@
                     </a:lnBlToTr>
                   </a:tcPr>
                 </a:tc>
-                <a:extLst>
-                  <a:ext uri="{0D108BD9-81ED-4DB2-BD59-A6C34878D82A}">
-                    <a16:rowId xmlns:a16="http://schemas.microsoft.com/office/drawing/2014/main" val="3071355198"/>
-                  </a:ext>
-                </a:extLst>
-              </a:tr>
-              <a:tr h="370840">
                 <a:tc>
                   <a:txBody>
                     <a:bodyPr/>
@@ -4833,116 +4843,6 @@
                     <a:bodyPr/>
                     <a:lstStyle/>
                     <a:p>
-                      <a:endParaRPr lang="zh-CN" altLang="en-US"/>
-                    </a:p>
-                  </a:txBody>
-                  <a:tcPr>
-                    <a:lnL w="12700" cap="flat" cmpd="sng" algn="ctr">
-                      <a:solidFill>
-                        <a:schemeClr val="tx1"/>
-                      </a:solidFill>
-                      <a:prstDash val="solid"/>
-                      <a:round/>
-                      <a:headEnd type="none" w="med" len="med"/>
-                      <a:tailEnd type="none" w="med" len="med"/>
-                    </a:lnL>
-                    <a:lnR w="12700" cap="flat" cmpd="sng" algn="ctr">
-                      <a:solidFill>
-                        <a:schemeClr val="tx1"/>
-                      </a:solidFill>
-                      <a:prstDash val="solid"/>
-                      <a:round/>
-                      <a:headEnd type="none" w="med" len="med"/>
-                      <a:tailEnd type="none" w="med" len="med"/>
-                    </a:lnR>
-                    <a:lnT w="12700" cap="flat" cmpd="sng" algn="ctr">
-                      <a:solidFill>
-                        <a:schemeClr val="tx1"/>
-                      </a:solidFill>
-                      <a:prstDash val="solid"/>
-                      <a:round/>
-                      <a:headEnd type="none" w="med" len="med"/>
-                      <a:tailEnd type="none" w="med" len="med"/>
-                    </a:lnT>
-                    <a:lnB w="12700" cap="flat" cmpd="sng" algn="ctr">
-                      <a:solidFill>
-                        <a:schemeClr val="tx1"/>
-                      </a:solidFill>
-                      <a:prstDash val="solid"/>
-                      <a:round/>
-                      <a:headEnd type="none" w="med" len="med"/>
-                      <a:tailEnd type="none" w="med" len="med"/>
-                    </a:lnB>
-                    <a:lnTlToBr w="12700" cmpd="sng">
-                      <a:noFill/>
-                      <a:prstDash val="solid"/>
-                    </a:lnTlToBr>
-                    <a:lnBlToTr w="12700" cmpd="sng">
-                      <a:noFill/>
-                      <a:prstDash val="solid"/>
-                    </a:lnBlToTr>
-                  </a:tcPr>
-                </a:tc>
-                <a:tc>
-                  <a:txBody>
-                    <a:bodyPr/>
-                    <a:lstStyle/>
-                    <a:p>
-                      <a:endParaRPr lang="zh-CN" altLang="en-US"/>
-                    </a:p>
-                  </a:txBody>
-                  <a:tcPr>
-                    <a:lnL w="12700" cap="flat" cmpd="sng" algn="ctr">
-                      <a:solidFill>
-                        <a:schemeClr val="tx1"/>
-                      </a:solidFill>
-                      <a:prstDash val="solid"/>
-                      <a:round/>
-                      <a:headEnd type="none" w="med" len="med"/>
-                      <a:tailEnd type="none" w="med" len="med"/>
-                    </a:lnL>
-                    <a:lnR w="12700" cap="flat" cmpd="sng" algn="ctr">
-                      <a:solidFill>
-                        <a:schemeClr val="tx1"/>
-                      </a:solidFill>
-                      <a:prstDash val="solid"/>
-                      <a:round/>
-                      <a:headEnd type="none" w="med" len="med"/>
-                      <a:tailEnd type="none" w="med" len="med"/>
-                    </a:lnR>
-                    <a:lnT w="12700" cap="flat" cmpd="sng" algn="ctr">
-                      <a:solidFill>
-                        <a:schemeClr val="tx1"/>
-                      </a:solidFill>
-                      <a:prstDash val="solid"/>
-                      <a:round/>
-                      <a:headEnd type="none" w="med" len="med"/>
-                      <a:tailEnd type="none" w="med" len="med"/>
-                    </a:lnT>
-                    <a:lnB w="12700" cap="flat" cmpd="sng" algn="ctr">
-                      <a:solidFill>
-                        <a:schemeClr val="tx1"/>
-                      </a:solidFill>
-                      <a:prstDash val="solid"/>
-                      <a:round/>
-                      <a:headEnd type="none" w="med" len="med"/>
-                      <a:tailEnd type="none" w="med" len="med"/>
-                    </a:lnB>
-                    <a:lnTlToBr w="12700" cmpd="sng">
-                      <a:noFill/>
-                      <a:prstDash val="solid"/>
-                    </a:lnTlToBr>
-                    <a:lnBlToTr w="12700" cmpd="sng">
-                      <a:noFill/>
-                      <a:prstDash val="solid"/>
-                    </a:lnBlToTr>
-                  </a:tcPr>
-                </a:tc>
-                <a:tc>
-                  <a:txBody>
-                    <a:bodyPr/>
-                    <a:lstStyle/>
-                    <a:p>
                       <a:endParaRPr lang="zh-CN" altLang="en-US" dirty="0"/>
                     </a:p>
                   </a:txBody>
@@ -4993,27 +4893,23 @@
                     </a:lnBlToTr>
                   </a:tcPr>
                 </a:tc>
-                <a:extLst>
-                  <a:ext uri="{0D108BD9-81ED-4DB2-BD59-A6C34878D82A}">
-                    <a16:rowId xmlns:a16="http://schemas.microsoft.com/office/drawing/2014/main" val="3531728018"/>
-                  </a:ext>
-                </a:extLst>
               </a:tr>
             </a:tbl>
           </a:graphicData>
         </a:graphic>
       </p:graphicFrame>
     </p:spTree>
-    <p:extLst>
-      <p:ext uri="{BB962C8B-B14F-4D97-AF65-F5344CB8AC3E}">
-        <p14:creationId xmlns:p14="http://schemas.microsoft.com/office/powerpoint/2010/main" val="3574332036"/>
-      </p:ext>
-    </p:extLst>
   </p:cSld>
   <p:clrMapOvr>
     <a:masterClrMapping/>
   </p:clrMapOvr>
 </p:sld>
+</file>
+
+<file path=ppt/tags/tag1.xml><?xml version="1.0" encoding="utf-8"?>
+<p:tagLst xmlns:p="http://schemas.openxmlformats.org/presentationml/2006/main">
+  <p:tag name="KSO_WM_UNIT_TABLE_BEAUTIFY" val="smartTable{cb6f230b-0d06-4e9a-8201-d4e01d339177}"/>
+</p:tagLst>
 </file>
 
 <file path=ppt/theme/theme1.xml><?xml version="1.0" encoding="utf-8"?>
@@ -5059,7 +4955,7 @@
     </a:clrScheme>
     <a:fontScheme name="Office">
       <a:majorFont>
-        <a:latin typeface="等线 Light" panose="020F0302020204030204"/>
+        <a:latin typeface="等线 Light"/>
         <a:ea typeface=""/>
         <a:cs typeface=""/>
         <a:font script="Jpan" typeface="游ゴシック Light"/>
@@ -5094,7 +4990,7 @@
         <a:font script="Geor" typeface="Sylfaen"/>
       </a:majorFont>
       <a:minorFont>
-        <a:latin typeface="等线" panose="020F0502020204030204"/>
+        <a:latin typeface="等线"/>
         <a:ea typeface=""/>
         <a:cs typeface=""/>
         <a:font script="Jpan" typeface="游ゴシック"/>
@@ -5267,8 +5163,6 @@
       </a:bgFillStyleLst>
     </a:fmtScheme>
   </a:themeElements>
-  <a:objectDefaults/>
-  <a:extraClrSchemeLst/>
   <a:extLst>
     <a:ext uri="{05A4C25C-085E-4340-85A3-A5531E510DB2}">
       <thm15:themeFamily xmlns:thm15="http://schemas.microsoft.com/office/thememl/2012/main" name="Office Theme" id="{62F939B6-93AF-4DB8-9C6B-D6C7DFDC589F}" vid="{4A3C46E8-61CC-4603-A589-7422A47A8E4A}"/>
